--- a/Project/project ppt.pptx
+++ b/Project/project ppt.pptx
@@ -12,17 +12,18 @@
     <p:sldId id="266" r:id="rId6"/>
     <p:sldId id="258" r:id="rId7"/>
     <p:sldId id="260" r:id="rId8"/>
-    <p:sldId id="282" r:id="rId9"/>
-    <p:sldId id="263" r:id="rId10"/>
-    <p:sldId id="264" r:id="rId11"/>
-    <p:sldId id="271" r:id="rId12"/>
-    <p:sldId id="276" r:id="rId13"/>
-    <p:sldId id="277" r:id="rId14"/>
-    <p:sldId id="278" r:id="rId15"/>
-    <p:sldId id="279" r:id="rId16"/>
-    <p:sldId id="280" r:id="rId17"/>
-    <p:sldId id="281" r:id="rId18"/>
-    <p:sldId id="270" r:id="rId19"/>
+    <p:sldId id="283" r:id="rId9"/>
+    <p:sldId id="282" r:id="rId10"/>
+    <p:sldId id="263" r:id="rId11"/>
+    <p:sldId id="264" r:id="rId12"/>
+    <p:sldId id="271" r:id="rId13"/>
+    <p:sldId id="276" r:id="rId14"/>
+    <p:sldId id="277" r:id="rId15"/>
+    <p:sldId id="278" r:id="rId16"/>
+    <p:sldId id="279" r:id="rId17"/>
+    <p:sldId id="280" r:id="rId18"/>
+    <p:sldId id="281" r:id="rId19"/>
+    <p:sldId id="270" r:id="rId20"/>
   </p:sldIdLst>
   <p:sldSz cx="9144000" cy="6858000" type="screen4x3"/>
   <p:notesSz cx="6858000" cy="9144000"/>
@@ -131,6 +132,7 @@
             <p14:sldId id="266"/>
             <p14:sldId id="258"/>
             <p14:sldId id="260"/>
+            <p14:sldId id="283"/>
             <p14:sldId id="282"/>
             <p14:sldId id="263"/>
             <p14:sldId id="264"/>
@@ -343,7 +345,7 @@
             <a:lstStyle/>
             <a:p>
               <a:r>
-                <a:rPr lang="en-US" sz="5400" dirty="0" smtClean="0">
+                <a:rPr lang="en-US" sz="5400" dirty="0">
                   <a:ln w="3175">
                     <a:solidFill>
                       <a:schemeClr val="tx2">
@@ -367,28 +369,6 @@
                 </a:rPr>
                 <a:t></a:t>
               </a:r>
-              <a:endParaRPr lang="en-US" sz="5400" dirty="0">
-                <a:ln w="3175">
-                  <a:solidFill>
-                    <a:schemeClr val="tx2">
-                      <a:alpha val="60000"/>
-                    </a:schemeClr>
-                  </a:solidFill>
-                </a:ln>
-                <a:solidFill>
-                  <a:schemeClr val="tx2">
-                    <a:lumMod val="90000"/>
-                  </a:schemeClr>
-                </a:solidFill>
-                <a:effectLst>
-                  <a:outerShdw blurRad="34925" dist="12700" dir="14400000" algn="ctr" rotWithShape="0">
-                    <a:srgbClr val="000000">
-                      <a:alpha val="21000"/>
-                    </a:srgbClr>
-                  </a:outerShdw>
-                </a:effectLst>
-                <a:latin typeface="Wingdings" pitchFamily="2" charset="2"/>
-              </a:endParaRPr>
             </a:p>
           </p:txBody>
         </p:sp>
@@ -512,7 +492,7 @@
           </a:lstStyle>
           <a:p>
             <a:r>
-              <a:rPr lang="en-US" smtClean="0"/>
+              <a:rPr lang="en-US"/>
               <a:t>Click to edit Master title style</a:t>
             </a:r>
             <a:endParaRPr lang="en-US" dirty="0"/>
@@ -636,7 +616,7 @@
           </a:lstStyle>
           <a:p>
             <a:r>
-              <a:rPr lang="en-US" smtClean="0"/>
+              <a:rPr lang="en-US"/>
               <a:t>Click to edit Master subtitle style</a:t>
             </a:r>
             <a:endParaRPr lang="en-US" dirty="0"/>
@@ -684,10 +664,9 @@
           <a:lstStyle/>
           <a:p>
             <a:r>
-              <a:rPr lang="en-US" smtClean="0"/>
+              <a:rPr lang="en-US"/>
               <a:t>Click to edit Master title style</a:t>
             </a:r>
-            <a:endParaRPr lang="en-US"/>
           </a:p>
         </p:txBody>
       </p:sp>
@@ -708,38 +687,37 @@
           <a:p>
             <a:pPr lvl="0"/>
             <a:r>
-              <a:rPr lang="en-US" smtClean="0"/>
+              <a:rPr lang="en-US"/>
               <a:t>Click to edit Master text styles</a:t>
             </a:r>
           </a:p>
           <a:p>
             <a:pPr lvl="1"/>
             <a:r>
-              <a:rPr lang="en-US" smtClean="0"/>
+              <a:rPr lang="en-US"/>
               <a:t>Second level</a:t>
             </a:r>
           </a:p>
           <a:p>
             <a:pPr lvl="2"/>
             <a:r>
-              <a:rPr lang="en-US" smtClean="0"/>
+              <a:rPr lang="en-US"/>
               <a:t>Third level</a:t>
             </a:r>
           </a:p>
           <a:p>
             <a:pPr lvl="3"/>
             <a:r>
-              <a:rPr lang="en-US" smtClean="0"/>
+              <a:rPr lang="en-US"/>
               <a:t>Fourth level</a:t>
             </a:r>
           </a:p>
           <a:p>
             <a:pPr lvl="4"/>
             <a:r>
-              <a:rPr lang="en-US" smtClean="0"/>
+              <a:rPr lang="en-US"/>
               <a:t>Fifth level</a:t>
             </a:r>
-            <a:endParaRPr lang="en-US"/>
           </a:p>
         </p:txBody>
       </p:sp>
@@ -845,7 +823,7 @@
             <a:lstStyle/>
             <a:p>
               <a:r>
-                <a:rPr lang="en-US" sz="5400" dirty="0" smtClean="0">
+                <a:rPr lang="en-US" sz="5400" dirty="0">
                   <a:solidFill>
                     <a:schemeClr val="tx2">
                       <a:lumMod val="60000"/>
@@ -856,15 +834,6 @@
                 </a:rPr>
                 <a:t></a:t>
               </a:r>
-              <a:endParaRPr lang="en-US" sz="5400" dirty="0">
-                <a:solidFill>
-                  <a:schemeClr val="tx2">
-                    <a:lumMod val="60000"/>
-                    <a:lumOff val="40000"/>
-                  </a:schemeClr>
-                </a:solidFill>
-                <a:latin typeface="Wingdings" pitchFamily="2" charset="2"/>
-              </a:endParaRPr>
             </a:p>
           </p:txBody>
         </p:sp>
@@ -993,7 +962,7 @@
           <a:lstStyle/>
           <a:p>
             <a:r>
-              <a:rPr lang="en-US" smtClean="0"/>
+              <a:rPr lang="en-US"/>
               <a:t>Click to edit Master title style</a:t>
             </a:r>
             <a:endParaRPr lang="en-US" dirty="0"/>
@@ -1022,38 +991,37 @@
           <a:p>
             <a:pPr lvl="0"/>
             <a:r>
-              <a:rPr lang="en-US" smtClean="0"/>
+              <a:rPr lang="en-US"/>
               <a:t>Click to edit Master text styles</a:t>
             </a:r>
           </a:p>
           <a:p>
             <a:pPr lvl="1"/>
             <a:r>
-              <a:rPr lang="en-US" smtClean="0"/>
+              <a:rPr lang="en-US"/>
               <a:t>Second level</a:t>
             </a:r>
           </a:p>
           <a:p>
             <a:pPr lvl="2"/>
             <a:r>
-              <a:rPr lang="en-US" smtClean="0"/>
+              <a:rPr lang="en-US"/>
               <a:t>Third level</a:t>
             </a:r>
           </a:p>
           <a:p>
             <a:pPr lvl="3"/>
             <a:r>
-              <a:rPr lang="en-US" smtClean="0"/>
+              <a:rPr lang="en-US"/>
               <a:t>Fourth level</a:t>
             </a:r>
           </a:p>
           <a:p>
             <a:pPr lvl="4"/>
             <a:r>
-              <a:rPr lang="en-US" smtClean="0"/>
+              <a:rPr lang="en-US"/>
               <a:t>Fifth level</a:t>
             </a:r>
-            <a:endParaRPr lang="en-US"/>
           </a:p>
         </p:txBody>
       </p:sp>
@@ -1159,7 +1127,7 @@
             <a:lstStyle/>
             <a:p>
               <a:r>
-                <a:rPr lang="en-US" sz="5400" dirty="0" smtClean="0">
+                <a:rPr lang="en-US" sz="5400" dirty="0">
                   <a:solidFill>
                     <a:schemeClr val="tx2">
                       <a:lumMod val="60000"/>
@@ -1170,15 +1138,6 @@
                 </a:rPr>
                 <a:t></a:t>
               </a:r>
-              <a:endParaRPr lang="en-US" sz="5400" dirty="0">
-                <a:solidFill>
-                  <a:schemeClr val="tx2">
-                    <a:lumMod val="60000"/>
-                    <a:lumOff val="40000"/>
-                  </a:schemeClr>
-                </a:solidFill>
-                <a:latin typeface="Wingdings" pitchFamily="2" charset="2"/>
-              </a:endParaRPr>
             </a:p>
           </p:txBody>
         </p:sp>
@@ -7794,7 +7753,7 @@
           </a:lstStyle>
           <a:p>
             <a:r>
-              <a:rPr lang="en-US" smtClean="0"/>
+              <a:rPr lang="en-US"/>
               <a:t>Click to edit Master title style</a:t>
             </a:r>
             <a:endParaRPr lang="en-US" dirty="0"/>
@@ -7874,7 +7833,7 @@
           </a:lstStyle>
           <a:p>
             <a:r>
-              <a:rPr lang="en-US" smtClean="0"/>
+              <a:rPr lang="en-US"/>
               <a:t>Click to edit Master subtitle style</a:t>
             </a:r>
             <a:endParaRPr lang="en-US" dirty="0"/>
@@ -8033,7 +7992,7 @@
           <a:lstStyle/>
           <a:p>
             <a:r>
-              <a:rPr lang="en-US" smtClean="0"/>
+              <a:rPr lang="en-US"/>
               <a:t>Click to edit Master title style</a:t>
             </a:r>
             <a:endParaRPr lang="en-US" dirty="0"/>
@@ -8057,35 +8016,35 @@
           <a:p>
             <a:pPr lvl="0"/>
             <a:r>
-              <a:rPr lang="en-US" smtClean="0"/>
+              <a:rPr lang="en-US"/>
               <a:t>Edit Master text styles</a:t>
             </a:r>
           </a:p>
           <a:p>
             <a:pPr lvl="1"/>
             <a:r>
-              <a:rPr lang="en-US" smtClean="0"/>
+              <a:rPr lang="en-US"/>
               <a:t>Second level</a:t>
             </a:r>
           </a:p>
           <a:p>
             <a:pPr lvl="2"/>
             <a:r>
-              <a:rPr lang="en-US" smtClean="0"/>
+              <a:rPr lang="en-US"/>
               <a:t>Third level</a:t>
             </a:r>
           </a:p>
           <a:p>
             <a:pPr lvl="3"/>
             <a:r>
-              <a:rPr lang="en-US" smtClean="0"/>
+              <a:rPr lang="en-US"/>
               <a:t>Fourth level</a:t>
             </a:r>
           </a:p>
           <a:p>
             <a:pPr lvl="4"/>
             <a:r>
-              <a:rPr lang="en-US" smtClean="0"/>
+              <a:rPr lang="en-US"/>
               <a:t>Fifth level</a:t>
             </a:r>
             <a:endParaRPr lang="en-US" dirty="0"/>
@@ -14695,7 +14654,7 @@
           </a:lstStyle>
           <a:p>
             <a:r>
-              <a:rPr lang="en-US" smtClean="0"/>
+              <a:rPr lang="en-US"/>
               <a:t>Click to edit Master title style</a:t>
             </a:r>
             <a:endParaRPr lang="en-US" dirty="0"/>
@@ -14824,7 +14783,7 @@
           <a:p>
             <a:pPr lvl="0"/>
             <a:r>
-              <a:rPr lang="en-US" smtClean="0"/>
+              <a:rPr lang="en-US"/>
               <a:t>Edit Master text styles</a:t>
             </a:r>
           </a:p>
@@ -14983,7 +14942,7 @@
           <a:lstStyle/>
           <a:p>
             <a:r>
-              <a:rPr lang="en-US" smtClean="0"/>
+              <a:rPr lang="en-US"/>
               <a:t>Click to edit Master title style</a:t>
             </a:r>
             <a:endParaRPr lang="en-US" dirty="0"/>
@@ -15012,35 +14971,35 @@
           <a:p>
             <a:pPr lvl="0"/>
             <a:r>
-              <a:rPr lang="en-US" smtClean="0"/>
+              <a:rPr lang="en-US"/>
               <a:t>Edit Master text styles</a:t>
             </a:r>
           </a:p>
           <a:p>
             <a:pPr lvl="1"/>
             <a:r>
-              <a:rPr lang="en-US" smtClean="0"/>
+              <a:rPr lang="en-US"/>
               <a:t>Second level</a:t>
             </a:r>
           </a:p>
           <a:p>
             <a:pPr lvl="2"/>
             <a:r>
-              <a:rPr lang="en-US" smtClean="0"/>
+              <a:rPr lang="en-US"/>
               <a:t>Third level</a:t>
             </a:r>
           </a:p>
           <a:p>
             <a:pPr lvl="3"/>
             <a:r>
-              <a:rPr lang="en-US" smtClean="0"/>
+              <a:rPr lang="en-US"/>
               <a:t>Fourth level</a:t>
             </a:r>
           </a:p>
           <a:p>
             <a:pPr lvl="4"/>
             <a:r>
-              <a:rPr lang="en-US" smtClean="0"/>
+              <a:rPr lang="en-US"/>
               <a:t>Fifth level</a:t>
             </a:r>
             <a:endParaRPr lang="en-US" dirty="0"/>
@@ -15069,35 +15028,35 @@
           <a:p>
             <a:pPr lvl="0"/>
             <a:r>
-              <a:rPr lang="en-US" smtClean="0"/>
+              <a:rPr lang="en-US"/>
               <a:t>Edit Master text styles</a:t>
             </a:r>
           </a:p>
           <a:p>
             <a:pPr lvl="1"/>
             <a:r>
-              <a:rPr lang="en-US" smtClean="0"/>
+              <a:rPr lang="en-US"/>
               <a:t>Second level</a:t>
             </a:r>
           </a:p>
           <a:p>
             <a:pPr lvl="2"/>
             <a:r>
-              <a:rPr lang="en-US" smtClean="0"/>
+              <a:rPr lang="en-US"/>
               <a:t>Third level</a:t>
             </a:r>
           </a:p>
           <a:p>
             <a:pPr lvl="3"/>
             <a:r>
-              <a:rPr lang="en-US" smtClean="0"/>
+              <a:rPr lang="en-US"/>
               <a:t>Fourth level</a:t>
             </a:r>
           </a:p>
           <a:p>
             <a:pPr lvl="4"/>
             <a:r>
-              <a:rPr lang="en-US" smtClean="0"/>
+              <a:rPr lang="en-US"/>
               <a:t>Fifth level</a:t>
             </a:r>
             <a:endParaRPr lang="en-US" dirty="0"/>
@@ -15220,7 +15179,7 @@
           <a:lstStyle/>
           <a:p>
             <a:r>
-              <a:rPr lang="en-US" smtClean="0"/>
+              <a:rPr lang="en-US"/>
               <a:t>Click to edit Master title style</a:t>
             </a:r>
             <a:endParaRPr lang="en-US" dirty="0"/>
@@ -15299,7 +15258,7 @@
           <a:p>
             <a:pPr lvl="0"/>
             <a:r>
-              <a:rPr lang="en-US" smtClean="0"/>
+              <a:rPr lang="en-US"/>
               <a:t>Edit Master text styles</a:t>
             </a:r>
           </a:p>
@@ -15327,35 +15286,35 @@
           <a:p>
             <a:pPr lvl="0"/>
             <a:r>
-              <a:rPr lang="en-US" smtClean="0"/>
+              <a:rPr lang="en-US"/>
               <a:t>Edit Master text styles</a:t>
             </a:r>
           </a:p>
           <a:p>
             <a:pPr lvl="1"/>
             <a:r>
-              <a:rPr lang="en-US" smtClean="0"/>
+              <a:rPr lang="en-US"/>
               <a:t>Second level</a:t>
             </a:r>
           </a:p>
           <a:p>
             <a:pPr lvl="2"/>
             <a:r>
-              <a:rPr lang="en-US" smtClean="0"/>
+              <a:rPr lang="en-US"/>
               <a:t>Third level</a:t>
             </a:r>
           </a:p>
           <a:p>
             <a:pPr lvl="3"/>
             <a:r>
-              <a:rPr lang="en-US" smtClean="0"/>
+              <a:rPr lang="en-US"/>
               <a:t>Fourth level</a:t>
             </a:r>
           </a:p>
           <a:p>
             <a:pPr lvl="4"/>
             <a:r>
-              <a:rPr lang="en-US" smtClean="0"/>
+              <a:rPr lang="en-US"/>
               <a:t>Fifth level</a:t>
             </a:r>
             <a:endParaRPr lang="en-US" dirty="0"/>
@@ -15444,7 +15403,7 @@
               <a:buNone/>
             </a:pPr>
             <a:r>
-              <a:rPr lang="en-US" smtClean="0"/>
+              <a:rPr lang="en-US"/>
               <a:t>Edit Master text styles</a:t>
             </a:r>
           </a:p>
@@ -15472,35 +15431,35 @@
           <a:p>
             <a:pPr lvl="0"/>
             <a:r>
-              <a:rPr lang="en-US" smtClean="0"/>
+              <a:rPr lang="en-US"/>
               <a:t>Edit Master text styles</a:t>
             </a:r>
           </a:p>
           <a:p>
             <a:pPr lvl="1"/>
             <a:r>
-              <a:rPr lang="en-US" smtClean="0"/>
+              <a:rPr lang="en-US"/>
               <a:t>Second level</a:t>
             </a:r>
           </a:p>
           <a:p>
             <a:pPr lvl="2"/>
             <a:r>
-              <a:rPr lang="en-US" smtClean="0"/>
+              <a:rPr lang="en-US"/>
               <a:t>Third level</a:t>
             </a:r>
           </a:p>
           <a:p>
             <a:pPr lvl="3"/>
             <a:r>
-              <a:rPr lang="en-US" smtClean="0"/>
+              <a:rPr lang="en-US"/>
               <a:t>Fourth level</a:t>
             </a:r>
           </a:p>
           <a:p>
             <a:pPr lvl="4"/>
             <a:r>
-              <a:rPr lang="en-US" smtClean="0"/>
+              <a:rPr lang="en-US"/>
               <a:t>Fifth level</a:t>
             </a:r>
             <a:endParaRPr lang="en-US" dirty="0"/>
@@ -15618,7 +15577,7 @@
           <a:lstStyle/>
           <a:p>
             <a:r>
-              <a:rPr lang="en-US" smtClean="0"/>
+              <a:rPr lang="en-US"/>
               <a:t>Click to edit Master title style</a:t>
             </a:r>
             <a:endParaRPr lang="en-US" dirty="0"/>
@@ -15845,7 +15804,7 @@
           </a:lstStyle>
           <a:p>
             <a:r>
-              <a:rPr lang="en-US" smtClean="0"/>
+              <a:rPr lang="en-US"/>
               <a:t>Click to edit Master title style</a:t>
             </a:r>
             <a:endParaRPr lang="en-US" dirty="0"/>
@@ -15904,35 +15863,35 @@
           <a:p>
             <a:pPr lvl="0"/>
             <a:r>
-              <a:rPr lang="en-US" smtClean="0"/>
+              <a:rPr lang="en-US"/>
               <a:t>Edit Master text styles</a:t>
             </a:r>
           </a:p>
           <a:p>
             <a:pPr lvl="1"/>
             <a:r>
-              <a:rPr lang="en-US" smtClean="0"/>
+              <a:rPr lang="en-US"/>
               <a:t>Second level</a:t>
             </a:r>
           </a:p>
           <a:p>
             <a:pPr lvl="2"/>
             <a:r>
-              <a:rPr lang="en-US" smtClean="0"/>
+              <a:rPr lang="en-US"/>
               <a:t>Third level</a:t>
             </a:r>
           </a:p>
           <a:p>
             <a:pPr lvl="3"/>
             <a:r>
-              <a:rPr lang="en-US" smtClean="0"/>
+              <a:rPr lang="en-US"/>
               <a:t>Fourth level</a:t>
             </a:r>
           </a:p>
           <a:p>
             <a:pPr lvl="4"/>
             <a:r>
-              <a:rPr lang="en-US" smtClean="0"/>
+              <a:rPr lang="en-US"/>
               <a:t>Fifth level</a:t>
             </a:r>
             <a:endParaRPr lang="en-US" dirty="0"/>
@@ -16006,7 +15965,7 @@
           <a:p>
             <a:pPr lvl="0"/>
             <a:r>
-              <a:rPr lang="en-US" smtClean="0"/>
+              <a:rPr lang="en-US"/>
               <a:t>Edit Master text styles</a:t>
             </a:r>
           </a:p>
@@ -16129,38 +16088,37 @@
           <a:p>
             <a:pPr lvl="0"/>
             <a:r>
-              <a:rPr lang="en-US" smtClean="0"/>
+              <a:rPr lang="en-US"/>
               <a:t>Click to edit Master text styles</a:t>
             </a:r>
           </a:p>
           <a:p>
             <a:pPr lvl="1"/>
             <a:r>
-              <a:rPr lang="en-US" smtClean="0"/>
+              <a:rPr lang="en-US"/>
               <a:t>Second level</a:t>
             </a:r>
           </a:p>
           <a:p>
             <a:pPr lvl="2"/>
             <a:r>
-              <a:rPr lang="en-US" smtClean="0"/>
+              <a:rPr lang="en-US"/>
               <a:t>Third level</a:t>
             </a:r>
           </a:p>
           <a:p>
             <a:pPr lvl="3"/>
             <a:r>
-              <a:rPr lang="en-US" smtClean="0"/>
+              <a:rPr lang="en-US"/>
               <a:t>Fourth level</a:t>
             </a:r>
           </a:p>
           <a:p>
             <a:pPr lvl="4"/>
             <a:r>
-              <a:rPr lang="en-US" smtClean="0"/>
+              <a:rPr lang="en-US"/>
               <a:t>Fifth level</a:t>
             </a:r>
-            <a:endParaRPr lang="en-US"/>
           </a:p>
         </p:txBody>
       </p:sp>
@@ -16245,10 +16203,9 @@
           <a:lstStyle/>
           <a:p>
             <a:r>
-              <a:rPr lang="en-US" smtClean="0"/>
+              <a:rPr lang="en-US"/>
               <a:t>Click to edit Master title style</a:t>
             </a:r>
-            <a:endParaRPr lang="en-US"/>
           </a:p>
         </p:txBody>
       </p:sp>
@@ -16289,7 +16246,7 @@
             <a:lstStyle/>
             <a:p>
               <a:r>
-                <a:rPr lang="en-US" sz="5400" dirty="0" smtClean="0">
+                <a:rPr lang="en-US" sz="5400" dirty="0">
                   <a:solidFill>
                     <a:schemeClr val="tx2">
                       <a:lumMod val="60000"/>
@@ -16300,15 +16257,6 @@
                 </a:rPr>
                 <a:t></a:t>
               </a:r>
-              <a:endParaRPr lang="en-US" sz="5400" dirty="0">
-                <a:solidFill>
-                  <a:schemeClr val="tx2">
-                    <a:lumMod val="60000"/>
-                    <a:lumOff val="40000"/>
-                  </a:schemeClr>
-                </a:solidFill>
-                <a:latin typeface="Wingdings" pitchFamily="2" charset="2"/>
-              </a:endParaRPr>
             </a:p>
           </p:txBody>
         </p:sp>
@@ -16443,7 +16391,7 @@
           </a:lstStyle>
           <a:p>
             <a:r>
-              <a:rPr lang="en-US" smtClean="0"/>
+              <a:rPr lang="en-US"/>
               <a:t>Click to edit Master title style</a:t>
             </a:r>
             <a:endParaRPr lang="en-US" dirty="0"/>
@@ -16514,7 +16462,7 @@
           </a:lstStyle>
           <a:p>
             <a:r>
-              <a:rPr lang="en-US" smtClean="0"/>
+              <a:rPr lang="en-US"/>
               <a:t>Click icon to add picture</a:t>
             </a:r>
             <a:endParaRPr lang="en-US" dirty="0"/>
@@ -16595,7 +16543,7 @@
           <a:p>
             <a:pPr lvl="0"/>
             <a:r>
-              <a:rPr lang="en-US" smtClean="0"/>
+              <a:rPr lang="en-US"/>
               <a:t>Edit Master text styles</a:t>
             </a:r>
           </a:p>
@@ -16747,7 +16695,7 @@
           <a:lstStyle/>
           <a:p>
             <a:r>
-              <a:rPr lang="en-US" smtClean="0"/>
+              <a:rPr lang="en-US"/>
               <a:t>Click to edit Master title style</a:t>
             </a:r>
             <a:endParaRPr lang="en-US" dirty="0"/>
@@ -16771,35 +16719,35 @@
           <a:p>
             <a:pPr lvl="0"/>
             <a:r>
-              <a:rPr lang="en-US" smtClean="0"/>
+              <a:rPr lang="en-US"/>
               <a:t>Edit Master text styles</a:t>
             </a:r>
           </a:p>
           <a:p>
             <a:pPr lvl="1"/>
             <a:r>
-              <a:rPr lang="en-US" smtClean="0"/>
+              <a:rPr lang="en-US"/>
               <a:t>Second level</a:t>
             </a:r>
           </a:p>
           <a:p>
             <a:pPr lvl="2"/>
             <a:r>
-              <a:rPr lang="en-US" smtClean="0"/>
+              <a:rPr lang="en-US"/>
               <a:t>Third level</a:t>
             </a:r>
           </a:p>
           <a:p>
             <a:pPr lvl="3"/>
             <a:r>
-              <a:rPr lang="en-US" smtClean="0"/>
+              <a:rPr lang="en-US"/>
               <a:t>Fourth level</a:t>
             </a:r>
           </a:p>
           <a:p>
             <a:pPr lvl="4"/>
             <a:r>
-              <a:rPr lang="en-US" smtClean="0"/>
+              <a:rPr lang="en-US"/>
               <a:t>Fifth level</a:t>
             </a:r>
             <a:endParaRPr lang="en-US" dirty="0"/>
@@ -16922,7 +16870,7 @@
           <a:lstStyle/>
           <a:p>
             <a:r>
-              <a:rPr lang="en-US" smtClean="0"/>
+              <a:rPr lang="en-US"/>
               <a:t>Click to edit Master title style</a:t>
             </a:r>
             <a:endParaRPr lang="en-US" dirty="0"/>
@@ -16951,35 +16899,35 @@
           <a:p>
             <a:pPr lvl="0"/>
             <a:r>
-              <a:rPr lang="en-US" smtClean="0"/>
+              <a:rPr lang="en-US"/>
               <a:t>Edit Master text styles</a:t>
             </a:r>
           </a:p>
           <a:p>
             <a:pPr lvl="1"/>
             <a:r>
-              <a:rPr lang="en-US" smtClean="0"/>
+              <a:rPr lang="en-US"/>
               <a:t>Second level</a:t>
             </a:r>
           </a:p>
           <a:p>
             <a:pPr lvl="2"/>
             <a:r>
-              <a:rPr lang="en-US" smtClean="0"/>
+              <a:rPr lang="en-US"/>
               <a:t>Third level</a:t>
             </a:r>
           </a:p>
           <a:p>
             <a:pPr lvl="3"/>
             <a:r>
-              <a:rPr lang="en-US" smtClean="0"/>
+              <a:rPr lang="en-US"/>
               <a:t>Fourth level</a:t>
             </a:r>
           </a:p>
           <a:p>
             <a:pPr lvl="4"/>
             <a:r>
-              <a:rPr lang="en-US" smtClean="0"/>
+              <a:rPr lang="en-US"/>
               <a:t>Fifth level</a:t>
             </a:r>
             <a:endParaRPr lang="en-US" dirty="0"/>
@@ -17143,7 +17091,7 @@
           </a:lstStyle>
           <a:p>
             <a:r>
-              <a:rPr lang="en-US" smtClean="0"/>
+              <a:rPr lang="en-US"/>
               <a:t>Click to edit Master title style</a:t>
             </a:r>
             <a:endParaRPr lang="en-US" dirty="0"/>
@@ -17214,7 +17162,7 @@
           </a:lstStyle>
           <a:p>
             <a:r>
-              <a:rPr lang="en-US" smtClean="0"/>
+              <a:rPr lang="en-US"/>
               <a:t>Click to edit Master subtitle style</a:t>
             </a:r>
             <a:endParaRPr lang="en-US" dirty="0"/>
@@ -17373,7 +17321,7 @@
           <a:lstStyle/>
           <a:p>
             <a:r>
-              <a:rPr lang="en-US" smtClean="0"/>
+              <a:rPr lang="en-US"/>
               <a:t>Click to edit Master title style</a:t>
             </a:r>
             <a:endParaRPr lang="en-US" dirty="0"/>
@@ -17397,35 +17345,35 @@
           <a:p>
             <a:pPr lvl="0"/>
             <a:r>
-              <a:rPr lang="en-US" smtClean="0"/>
+              <a:rPr lang="en-US"/>
               <a:t>Edit Master text styles</a:t>
             </a:r>
           </a:p>
           <a:p>
             <a:pPr lvl="1"/>
             <a:r>
-              <a:rPr lang="en-US" smtClean="0"/>
+              <a:rPr lang="en-US"/>
               <a:t>Second level</a:t>
             </a:r>
           </a:p>
           <a:p>
             <a:pPr lvl="2"/>
             <a:r>
-              <a:rPr lang="en-US" smtClean="0"/>
+              <a:rPr lang="en-US"/>
               <a:t>Third level</a:t>
             </a:r>
           </a:p>
           <a:p>
             <a:pPr lvl="3"/>
             <a:r>
-              <a:rPr lang="en-US" smtClean="0"/>
+              <a:rPr lang="en-US"/>
               <a:t>Fourth level</a:t>
             </a:r>
           </a:p>
           <a:p>
             <a:pPr lvl="4"/>
             <a:r>
-              <a:rPr lang="en-US" smtClean="0"/>
+              <a:rPr lang="en-US"/>
               <a:t>Fifth level</a:t>
             </a:r>
             <a:endParaRPr lang="en-US" dirty="0"/>
@@ -17585,7 +17533,7 @@
           </a:lstStyle>
           <a:p>
             <a:r>
-              <a:rPr lang="en-US" smtClean="0"/>
+              <a:rPr lang="en-US"/>
               <a:t>Click to edit Master title style</a:t>
             </a:r>
             <a:endParaRPr lang="en-US" dirty="0"/>
@@ -17705,7 +17653,7 @@
           <a:p>
             <a:pPr lvl="0"/>
             <a:r>
-              <a:rPr lang="en-US" smtClean="0"/>
+              <a:rPr lang="en-US"/>
               <a:t>Edit Master text styles</a:t>
             </a:r>
           </a:p>
@@ -17858,7 +17806,7 @@
           <a:lstStyle/>
           <a:p>
             <a:r>
-              <a:rPr lang="en-US" smtClean="0"/>
+              <a:rPr lang="en-US"/>
               <a:t>Click to edit Master title style</a:t>
             </a:r>
             <a:endParaRPr lang="en-US" dirty="0"/>
@@ -17887,35 +17835,35 @@
           <a:p>
             <a:pPr lvl="0"/>
             <a:r>
-              <a:rPr lang="en-US" smtClean="0"/>
+              <a:rPr lang="en-US"/>
               <a:t>Edit Master text styles</a:t>
             </a:r>
           </a:p>
           <a:p>
             <a:pPr lvl="1"/>
             <a:r>
-              <a:rPr lang="en-US" smtClean="0"/>
+              <a:rPr lang="en-US"/>
               <a:t>Second level</a:t>
             </a:r>
           </a:p>
           <a:p>
             <a:pPr lvl="2"/>
             <a:r>
-              <a:rPr lang="en-US" smtClean="0"/>
+              <a:rPr lang="en-US"/>
               <a:t>Third level</a:t>
             </a:r>
           </a:p>
           <a:p>
             <a:pPr lvl="3"/>
             <a:r>
-              <a:rPr lang="en-US" smtClean="0"/>
+              <a:rPr lang="en-US"/>
               <a:t>Fourth level</a:t>
             </a:r>
           </a:p>
           <a:p>
             <a:pPr lvl="4"/>
             <a:r>
-              <a:rPr lang="en-US" smtClean="0"/>
+              <a:rPr lang="en-US"/>
               <a:t>Fifth level</a:t>
             </a:r>
             <a:endParaRPr lang="en-US" dirty="0"/>
@@ -17944,35 +17892,35 @@
           <a:p>
             <a:pPr lvl="0"/>
             <a:r>
-              <a:rPr lang="en-US" smtClean="0"/>
+              <a:rPr lang="en-US"/>
               <a:t>Edit Master text styles</a:t>
             </a:r>
           </a:p>
           <a:p>
             <a:pPr lvl="1"/>
             <a:r>
-              <a:rPr lang="en-US" smtClean="0"/>
+              <a:rPr lang="en-US"/>
               <a:t>Second level</a:t>
             </a:r>
           </a:p>
           <a:p>
             <a:pPr lvl="2"/>
             <a:r>
-              <a:rPr lang="en-US" smtClean="0"/>
+              <a:rPr lang="en-US"/>
               <a:t>Third level</a:t>
             </a:r>
           </a:p>
           <a:p>
             <a:pPr lvl="3"/>
             <a:r>
-              <a:rPr lang="en-US" smtClean="0"/>
+              <a:rPr lang="en-US"/>
               <a:t>Fourth level</a:t>
             </a:r>
           </a:p>
           <a:p>
             <a:pPr lvl="4"/>
             <a:r>
-              <a:rPr lang="en-US" smtClean="0"/>
+              <a:rPr lang="en-US"/>
               <a:t>Fifth level</a:t>
             </a:r>
             <a:endParaRPr lang="en-US" dirty="0"/>
@@ -18157,7 +18105,7 @@
           <a:lstStyle/>
           <a:p>
             <a:r>
-              <a:rPr lang="en-US" smtClean="0"/>
+              <a:rPr lang="en-US"/>
               <a:t>Click to edit Master title style</a:t>
             </a:r>
             <a:endParaRPr lang="en-US" dirty="0"/>
@@ -18232,7 +18180,7 @@
           <a:p>
             <a:pPr lvl="0"/>
             <a:r>
-              <a:rPr lang="en-US" smtClean="0"/>
+              <a:rPr lang="en-US"/>
               <a:t>Edit Master text styles</a:t>
             </a:r>
           </a:p>
@@ -18260,35 +18208,35 @@
           <a:p>
             <a:pPr lvl="0"/>
             <a:r>
-              <a:rPr lang="en-US" smtClean="0"/>
+              <a:rPr lang="en-US"/>
               <a:t>Edit Master text styles</a:t>
             </a:r>
           </a:p>
           <a:p>
             <a:pPr lvl="1"/>
             <a:r>
-              <a:rPr lang="en-US" smtClean="0"/>
+              <a:rPr lang="en-US"/>
               <a:t>Second level</a:t>
             </a:r>
           </a:p>
           <a:p>
             <a:pPr lvl="2"/>
             <a:r>
-              <a:rPr lang="en-US" smtClean="0"/>
+              <a:rPr lang="en-US"/>
               <a:t>Third level</a:t>
             </a:r>
           </a:p>
           <a:p>
             <a:pPr lvl="3"/>
             <a:r>
-              <a:rPr lang="en-US" smtClean="0"/>
+              <a:rPr lang="en-US"/>
               <a:t>Fourth level</a:t>
             </a:r>
           </a:p>
           <a:p>
             <a:pPr lvl="4"/>
             <a:r>
-              <a:rPr lang="en-US" smtClean="0"/>
+              <a:rPr lang="en-US"/>
               <a:t>Fifth level</a:t>
             </a:r>
             <a:endParaRPr lang="en-US" dirty="0"/>
@@ -18363,7 +18311,7 @@
           <a:p>
             <a:pPr lvl="0"/>
             <a:r>
-              <a:rPr lang="en-US" smtClean="0"/>
+              <a:rPr lang="en-US"/>
               <a:t>Edit Master text styles</a:t>
             </a:r>
           </a:p>
@@ -18391,35 +18339,35 @@
           <a:p>
             <a:pPr lvl="0"/>
             <a:r>
-              <a:rPr lang="en-US" smtClean="0"/>
+              <a:rPr lang="en-US"/>
               <a:t>Edit Master text styles</a:t>
             </a:r>
           </a:p>
           <a:p>
             <a:pPr lvl="1"/>
             <a:r>
-              <a:rPr lang="en-US" smtClean="0"/>
+              <a:rPr lang="en-US"/>
               <a:t>Second level</a:t>
             </a:r>
           </a:p>
           <a:p>
             <a:pPr lvl="2"/>
             <a:r>
-              <a:rPr lang="en-US" smtClean="0"/>
+              <a:rPr lang="en-US"/>
               <a:t>Third level</a:t>
             </a:r>
           </a:p>
           <a:p>
             <a:pPr lvl="3"/>
             <a:r>
-              <a:rPr lang="en-US" smtClean="0"/>
+              <a:rPr lang="en-US"/>
               <a:t>Fourth level</a:t>
             </a:r>
           </a:p>
           <a:p>
             <a:pPr lvl="4"/>
             <a:r>
-              <a:rPr lang="en-US" smtClean="0"/>
+              <a:rPr lang="en-US"/>
               <a:t>Fifth level</a:t>
             </a:r>
             <a:endParaRPr lang="en-US" dirty="0"/>
@@ -18568,7 +18516,7 @@
           <a:lstStyle/>
           <a:p>
             <a:r>
-              <a:rPr lang="en-US" smtClean="0"/>
+              <a:rPr lang="en-US"/>
               <a:t>Click to edit Master title style</a:t>
             </a:r>
             <a:endParaRPr lang="en-US" dirty="0"/>
@@ -18833,7 +18781,7 @@
             <a:lstStyle/>
             <a:p>
               <a:r>
-                <a:rPr lang="en-US" sz="5400" dirty="0" smtClean="0">
+                <a:rPr lang="en-US" sz="5400" dirty="0">
                   <a:solidFill>
                     <a:schemeClr val="tx2">
                       <a:lumMod val="60000"/>
@@ -18844,15 +18792,6 @@
                 </a:rPr>
                 <a:t></a:t>
               </a:r>
-              <a:endParaRPr lang="en-US" sz="5400" dirty="0">
-                <a:solidFill>
-                  <a:schemeClr val="tx2">
-                    <a:lumMod val="60000"/>
-                    <a:lumOff val="40000"/>
-                  </a:schemeClr>
-                </a:solidFill>
-                <a:latin typeface="Wingdings" pitchFamily="2" charset="2"/>
-              </a:endParaRPr>
             </a:p>
           </p:txBody>
         </p:sp>
@@ -18964,7 +18903,7 @@
           </a:lstStyle>
           <a:p>
             <a:r>
-              <a:rPr lang="en-US" smtClean="0"/>
+              <a:rPr lang="en-US"/>
               <a:t>Click to edit Master title style</a:t>
             </a:r>
             <a:endParaRPr lang="en-US" dirty="0"/>
@@ -19082,7 +19021,7 @@
           <a:p>
             <a:pPr lvl="0"/>
             <a:r>
-              <a:rPr lang="en-US" smtClean="0"/>
+              <a:rPr lang="en-US"/>
               <a:t>Click to edit Master text styles</a:t>
             </a:r>
           </a:p>
@@ -19205,7 +19144,7 @@
           </a:lstStyle>
           <a:p>
             <a:r>
-              <a:rPr lang="en-US" smtClean="0"/>
+              <a:rPr lang="en-US"/>
               <a:t>Click to edit Master title style</a:t>
             </a:r>
             <a:endParaRPr lang="en-US" dirty="0"/>
@@ -19234,35 +19173,35 @@
           <a:p>
             <a:pPr lvl="0"/>
             <a:r>
-              <a:rPr lang="en-US" smtClean="0"/>
+              <a:rPr lang="en-US"/>
               <a:t>Edit Master text styles</a:t>
             </a:r>
           </a:p>
           <a:p>
             <a:pPr lvl="1"/>
             <a:r>
-              <a:rPr lang="en-US" smtClean="0"/>
+              <a:rPr lang="en-US"/>
               <a:t>Second level</a:t>
             </a:r>
           </a:p>
           <a:p>
             <a:pPr lvl="2"/>
             <a:r>
-              <a:rPr lang="en-US" smtClean="0"/>
+              <a:rPr lang="en-US"/>
               <a:t>Third level</a:t>
             </a:r>
           </a:p>
           <a:p>
             <a:pPr lvl="3"/>
             <a:r>
-              <a:rPr lang="en-US" smtClean="0"/>
+              <a:rPr lang="en-US"/>
               <a:t>Fourth level</a:t>
             </a:r>
           </a:p>
           <a:p>
             <a:pPr lvl="4"/>
             <a:r>
-              <a:rPr lang="en-US" smtClean="0"/>
+              <a:rPr lang="en-US"/>
               <a:t>Fifth level</a:t>
             </a:r>
             <a:endParaRPr lang="en-US" dirty="0"/>
@@ -19330,7 +19269,7 @@
           <a:p>
             <a:pPr lvl="0"/>
             <a:r>
-              <a:rPr lang="en-US" smtClean="0"/>
+              <a:rPr lang="en-US"/>
               <a:t>Edit Master text styles</a:t>
             </a:r>
           </a:p>
@@ -19623,7 +19562,7 @@
           </a:lstStyle>
           <a:p>
             <a:r>
-              <a:rPr lang="en-US" smtClean="0"/>
+              <a:rPr lang="en-US"/>
               <a:t>Click to edit Master title style</a:t>
             </a:r>
             <a:endParaRPr lang="en-US" dirty="0"/>
@@ -19698,7 +19637,7 @@
           </a:lstStyle>
           <a:p>
             <a:r>
-              <a:rPr lang="en-US" smtClean="0"/>
+              <a:rPr lang="en-US"/>
               <a:t>Click icon to add picture</a:t>
             </a:r>
             <a:endParaRPr lang="en-US" dirty="0"/>
@@ -19766,7 +19705,7 @@
           <a:p>
             <a:pPr lvl="0"/>
             <a:r>
-              <a:rPr lang="en-US" smtClean="0"/>
+              <a:rPr lang="en-US"/>
               <a:t>Edit Master text styles</a:t>
             </a:r>
           </a:p>
@@ -19959,7 +19898,7 @@
           <a:lstStyle/>
           <a:p>
             <a:r>
-              <a:rPr lang="en-US" smtClean="0"/>
+              <a:rPr lang="en-US"/>
               <a:t>Click to edit Master title style</a:t>
             </a:r>
             <a:endParaRPr lang="en-US" dirty="0"/>
@@ -19983,35 +19922,35 @@
           <a:p>
             <a:pPr lvl="0"/>
             <a:r>
-              <a:rPr lang="en-US" smtClean="0"/>
+              <a:rPr lang="en-US"/>
               <a:t>Edit Master text styles</a:t>
             </a:r>
           </a:p>
           <a:p>
             <a:pPr lvl="1"/>
             <a:r>
-              <a:rPr lang="en-US" smtClean="0"/>
+              <a:rPr lang="en-US"/>
               <a:t>Second level</a:t>
             </a:r>
           </a:p>
           <a:p>
             <a:pPr lvl="2"/>
             <a:r>
-              <a:rPr lang="en-US" smtClean="0"/>
+              <a:rPr lang="en-US"/>
               <a:t>Third level</a:t>
             </a:r>
           </a:p>
           <a:p>
             <a:pPr lvl="3"/>
             <a:r>
-              <a:rPr lang="en-US" smtClean="0"/>
+              <a:rPr lang="en-US"/>
               <a:t>Fourth level</a:t>
             </a:r>
           </a:p>
           <a:p>
             <a:pPr lvl="4"/>
             <a:r>
-              <a:rPr lang="en-US" smtClean="0"/>
+              <a:rPr lang="en-US"/>
               <a:t>Fifth level</a:t>
             </a:r>
             <a:endParaRPr lang="en-US" dirty="0"/>
@@ -20138,7 +20077,7 @@
           </a:lstStyle>
           <a:p>
             <a:r>
-              <a:rPr lang="en-US" smtClean="0"/>
+              <a:rPr lang="en-US"/>
               <a:t>Click to edit Master title style</a:t>
             </a:r>
             <a:endParaRPr lang="en-US" dirty="0"/>
@@ -20167,35 +20106,35 @@
           <a:p>
             <a:pPr lvl="0"/>
             <a:r>
-              <a:rPr lang="en-US" smtClean="0"/>
+              <a:rPr lang="en-US"/>
               <a:t>Edit Master text styles</a:t>
             </a:r>
           </a:p>
           <a:p>
             <a:pPr lvl="1"/>
             <a:r>
-              <a:rPr lang="en-US" smtClean="0"/>
+              <a:rPr lang="en-US"/>
               <a:t>Second level</a:t>
             </a:r>
           </a:p>
           <a:p>
             <a:pPr lvl="2"/>
             <a:r>
-              <a:rPr lang="en-US" smtClean="0"/>
+              <a:rPr lang="en-US"/>
               <a:t>Third level</a:t>
             </a:r>
           </a:p>
           <a:p>
             <a:pPr lvl="3"/>
             <a:r>
-              <a:rPr lang="en-US" smtClean="0"/>
+              <a:rPr lang="en-US"/>
               <a:t>Fourth level</a:t>
             </a:r>
           </a:p>
           <a:p>
             <a:pPr lvl="4"/>
             <a:r>
-              <a:rPr lang="en-US" smtClean="0"/>
+              <a:rPr lang="en-US"/>
               <a:t>Fifth level</a:t>
             </a:r>
             <a:endParaRPr lang="en-US" dirty="0"/>
@@ -20417,7 +20356,7 @@
           </a:lstStyle>
           <a:p>
             <a:r>
-              <a:rPr lang="en-US" smtClean="0"/>
+              <a:rPr lang="en-US"/>
               <a:t>Click to edit Master title style</a:t>
             </a:r>
             <a:endParaRPr lang="en-US" dirty="0"/>
@@ -20461,7 +20400,7 @@
             <a:lstStyle/>
             <a:p>
               <a:r>
-                <a:rPr lang="en-US" sz="5400" dirty="0" smtClean="0">
+                <a:rPr lang="en-US" sz="5400" dirty="0">
                   <a:solidFill>
                     <a:schemeClr val="tx2">
                       <a:lumMod val="60000"/>
@@ -20472,15 +20411,6 @@
                 </a:rPr>
                 <a:t></a:t>
               </a:r>
-              <a:endParaRPr lang="en-US" sz="5400" dirty="0">
-                <a:solidFill>
-                  <a:schemeClr val="tx2">
-                    <a:lumMod val="60000"/>
-                    <a:lumOff val="40000"/>
-                  </a:schemeClr>
-                </a:solidFill>
-                <a:latin typeface="Wingdings" pitchFamily="2" charset="2"/>
-              </a:endParaRPr>
             </a:p>
           </p:txBody>
         </p:sp>
@@ -20585,38 +20515,37 @@
           <a:p>
             <a:pPr lvl="0"/>
             <a:r>
-              <a:rPr lang="en-US" smtClean="0"/>
+              <a:rPr lang="en-US"/>
               <a:t>Click to edit Master text styles</a:t>
             </a:r>
           </a:p>
           <a:p>
             <a:pPr lvl="1"/>
             <a:r>
-              <a:rPr lang="en-US" smtClean="0"/>
+              <a:rPr lang="en-US"/>
               <a:t>Second level</a:t>
             </a:r>
           </a:p>
           <a:p>
             <a:pPr lvl="2"/>
             <a:r>
-              <a:rPr lang="en-US" smtClean="0"/>
+              <a:rPr lang="en-US"/>
               <a:t>Third level</a:t>
             </a:r>
           </a:p>
           <a:p>
             <a:pPr lvl="3"/>
             <a:r>
-              <a:rPr lang="en-US" smtClean="0"/>
+              <a:rPr lang="en-US"/>
               <a:t>Fourth level</a:t>
             </a:r>
           </a:p>
           <a:p>
             <a:pPr lvl="4"/>
             <a:r>
-              <a:rPr lang="en-US" smtClean="0"/>
+              <a:rPr lang="en-US"/>
               <a:t>Fifth level</a:t>
             </a:r>
-            <a:endParaRPr lang="en-US"/>
           </a:p>
         </p:txBody>
       </p:sp>
@@ -20642,38 +20571,37 @@
           <a:p>
             <a:pPr lvl="0"/>
             <a:r>
-              <a:rPr lang="en-US" smtClean="0"/>
+              <a:rPr lang="en-US"/>
               <a:t>Click to edit Master text styles</a:t>
             </a:r>
           </a:p>
           <a:p>
             <a:pPr lvl="1"/>
             <a:r>
-              <a:rPr lang="en-US" smtClean="0"/>
+              <a:rPr lang="en-US"/>
               <a:t>Second level</a:t>
             </a:r>
           </a:p>
           <a:p>
             <a:pPr lvl="2"/>
             <a:r>
-              <a:rPr lang="en-US" smtClean="0"/>
+              <a:rPr lang="en-US"/>
               <a:t>Third level</a:t>
             </a:r>
           </a:p>
           <a:p>
             <a:pPr lvl="3"/>
             <a:r>
-              <a:rPr lang="en-US" smtClean="0"/>
+              <a:rPr lang="en-US"/>
               <a:t>Fourth level</a:t>
             </a:r>
           </a:p>
           <a:p>
             <a:pPr lvl="4"/>
             <a:r>
-              <a:rPr lang="en-US" smtClean="0"/>
+              <a:rPr lang="en-US"/>
               <a:t>Fifth level</a:t>
             </a:r>
-            <a:endParaRPr lang="en-US"/>
           </a:p>
         </p:txBody>
       </p:sp>
@@ -20722,10 +20650,9 @@
           </a:lstStyle>
           <a:p>
             <a:r>
-              <a:rPr lang="en-US" smtClean="0"/>
+              <a:rPr lang="en-US"/>
               <a:t>Click to edit Master title style</a:t>
             </a:r>
-            <a:endParaRPr lang="en-US"/>
           </a:p>
         </p:txBody>
       </p:sp>
@@ -20792,7 +20719,7 @@
           <a:p>
             <a:pPr lvl="0"/>
             <a:r>
-              <a:rPr lang="en-US" smtClean="0"/>
+              <a:rPr lang="en-US"/>
               <a:t>Click to edit Master text styles</a:t>
             </a:r>
           </a:p>
@@ -20848,35 +20775,35 @@
           <a:p>
             <a:pPr lvl="0"/>
             <a:r>
-              <a:rPr lang="en-US" smtClean="0"/>
+              <a:rPr lang="en-US"/>
               <a:t>Click to edit Master text styles</a:t>
             </a:r>
           </a:p>
           <a:p>
             <a:pPr lvl="1"/>
             <a:r>
-              <a:rPr lang="en-US" smtClean="0"/>
+              <a:rPr lang="en-US"/>
               <a:t>Second level</a:t>
             </a:r>
           </a:p>
           <a:p>
             <a:pPr lvl="2"/>
             <a:r>
-              <a:rPr lang="en-US" smtClean="0"/>
+              <a:rPr lang="en-US"/>
               <a:t>Third level</a:t>
             </a:r>
           </a:p>
           <a:p>
             <a:pPr lvl="3"/>
             <a:r>
-              <a:rPr lang="en-US" smtClean="0"/>
+              <a:rPr lang="en-US"/>
               <a:t>Fourth level</a:t>
             </a:r>
           </a:p>
           <a:p>
             <a:pPr lvl="4"/>
             <a:r>
-              <a:rPr lang="en-US" smtClean="0"/>
+              <a:rPr lang="en-US"/>
               <a:t>Fifth level</a:t>
             </a:r>
             <a:endParaRPr lang="en-US" dirty="0"/>
@@ -20946,7 +20873,7 @@
           <a:p>
             <a:pPr lvl="0"/>
             <a:r>
-              <a:rPr lang="en-US" smtClean="0"/>
+              <a:rPr lang="en-US"/>
               <a:t>Click to edit Master text styles</a:t>
             </a:r>
           </a:p>
@@ -21002,35 +20929,35 @@
           <a:p>
             <a:pPr lvl="0"/>
             <a:r>
-              <a:rPr lang="en-US" smtClean="0"/>
+              <a:rPr lang="en-US"/>
               <a:t>Click to edit Master text styles</a:t>
             </a:r>
           </a:p>
           <a:p>
             <a:pPr lvl="1"/>
             <a:r>
-              <a:rPr lang="en-US" smtClean="0"/>
+              <a:rPr lang="en-US"/>
               <a:t>Second level</a:t>
             </a:r>
           </a:p>
           <a:p>
             <a:pPr lvl="2"/>
             <a:r>
-              <a:rPr lang="en-US" smtClean="0"/>
+              <a:rPr lang="en-US"/>
               <a:t>Third level</a:t>
             </a:r>
           </a:p>
           <a:p>
             <a:pPr lvl="3"/>
             <a:r>
-              <a:rPr lang="en-US" smtClean="0"/>
+              <a:rPr lang="en-US"/>
               <a:t>Fourth level</a:t>
             </a:r>
           </a:p>
           <a:p>
             <a:pPr lvl="4"/>
             <a:r>
-              <a:rPr lang="en-US" smtClean="0"/>
+              <a:rPr lang="en-US"/>
               <a:t>Fifth level</a:t>
             </a:r>
             <a:endParaRPr lang="en-US" dirty="0"/>
@@ -21139,7 +21066,7 @@
             <a:lstStyle/>
             <a:p>
               <a:r>
-                <a:rPr lang="en-US" sz="5400" dirty="0" smtClean="0">
+                <a:rPr lang="en-US" sz="5400" dirty="0">
                   <a:solidFill>
                     <a:schemeClr val="tx2">
                       <a:lumMod val="60000"/>
@@ -21150,15 +21077,6 @@
                 </a:rPr>
                 <a:t></a:t>
               </a:r>
-              <a:endParaRPr lang="en-US" sz="5400" dirty="0">
-                <a:solidFill>
-                  <a:schemeClr val="tx2">
-                    <a:lumMod val="60000"/>
-                    <a:lumOff val="40000"/>
-                  </a:schemeClr>
-                </a:solidFill>
-                <a:latin typeface="Wingdings" pitchFamily="2" charset="2"/>
-              </a:endParaRPr>
             </a:p>
           </p:txBody>
         </p:sp>
@@ -21282,7 +21200,7 @@
           <a:lstStyle/>
           <a:p>
             <a:r>
-              <a:rPr lang="en-US" smtClean="0"/>
+              <a:rPr lang="en-US"/>
               <a:t>Click to edit Master title style</a:t>
             </a:r>
             <a:endParaRPr lang="en-US" dirty="0"/>
@@ -21391,7 +21309,7 @@
             <a:lstStyle/>
             <a:p>
               <a:r>
-                <a:rPr lang="en-US" sz="5400" dirty="0" smtClean="0">
+                <a:rPr lang="en-US" sz="5400" dirty="0">
                   <a:solidFill>
                     <a:schemeClr val="tx2">
                       <a:lumMod val="60000"/>
@@ -21402,15 +21320,6 @@
                 </a:rPr>
                 <a:t></a:t>
               </a:r>
-              <a:endParaRPr lang="en-US" sz="5400" dirty="0">
-                <a:solidFill>
-                  <a:schemeClr val="tx2">
-                    <a:lumMod val="60000"/>
-                    <a:lumOff val="40000"/>
-                  </a:schemeClr>
-                </a:solidFill>
-                <a:latin typeface="Wingdings" pitchFamily="2" charset="2"/>
-              </a:endParaRPr>
             </a:p>
           </p:txBody>
         </p:sp>
@@ -21633,10 +21542,9 @@
           </a:lstStyle>
           <a:p>
             <a:r>
-              <a:rPr lang="en-US" smtClean="0"/>
+              <a:rPr lang="en-US"/>
               <a:t>Click to edit Master title style</a:t>
             </a:r>
-            <a:endParaRPr lang="en-US"/>
           </a:p>
         </p:txBody>
       </p:sp>
@@ -21690,35 +21598,35 @@
           <a:p>
             <a:pPr lvl="0"/>
             <a:r>
-              <a:rPr lang="en-US" smtClean="0"/>
+              <a:rPr lang="en-US"/>
               <a:t>Click to edit Master text styles</a:t>
             </a:r>
           </a:p>
           <a:p>
             <a:pPr lvl="1"/>
             <a:r>
-              <a:rPr lang="en-US" smtClean="0"/>
+              <a:rPr lang="en-US"/>
               <a:t>Second level</a:t>
             </a:r>
           </a:p>
           <a:p>
             <a:pPr lvl="2"/>
             <a:r>
-              <a:rPr lang="en-US" smtClean="0"/>
+              <a:rPr lang="en-US"/>
               <a:t>Third level</a:t>
             </a:r>
           </a:p>
           <a:p>
             <a:pPr lvl="3"/>
             <a:r>
-              <a:rPr lang="en-US" smtClean="0"/>
+              <a:rPr lang="en-US"/>
               <a:t>Fourth level</a:t>
             </a:r>
           </a:p>
           <a:p>
             <a:pPr lvl="4"/>
             <a:r>
-              <a:rPr lang="en-US" smtClean="0"/>
+              <a:rPr lang="en-US"/>
               <a:t>Fifth level</a:t>
             </a:r>
             <a:endParaRPr lang="en-US" dirty="0"/>
@@ -21786,7 +21694,7 @@
           <a:p>
             <a:pPr lvl="0"/>
             <a:r>
-              <a:rPr lang="en-US" smtClean="0"/>
+              <a:rPr lang="en-US"/>
               <a:t>Click to edit Master text styles</a:t>
             </a:r>
           </a:p>
@@ -21907,10 +21815,9 @@
           </a:lstStyle>
           <a:p>
             <a:r>
-              <a:rPr lang="en-US" smtClean="0"/>
+              <a:rPr lang="en-US"/>
               <a:t>Click to edit Master title style</a:t>
             </a:r>
-            <a:endParaRPr lang="en-US"/>
           </a:p>
         </p:txBody>
       </p:sp>
@@ -22004,7 +21911,7 @@
           </a:lstStyle>
           <a:p>
             <a:r>
-              <a:rPr lang="en-US" smtClean="0"/>
+              <a:rPr lang="en-US"/>
               <a:t>Click icon to add picture</a:t>
             </a:r>
             <a:endParaRPr lang="en-US" dirty="0"/>
@@ -22072,7 +21979,7 @@
           <a:p>
             <a:pPr lvl="0"/>
             <a:r>
-              <a:rPr lang="en-US" smtClean="0"/>
+              <a:rPr lang="en-US"/>
               <a:t>Click to edit Master text styles</a:t>
             </a:r>
           </a:p>
@@ -22261,7 +22168,7 @@
           <a:lstStyle/>
           <a:p>
             <a:r>
-              <a:rPr lang="en-US" smtClean="0"/>
+              <a:rPr lang="en-US"/>
               <a:t>Click to edit Master title style</a:t>
             </a:r>
             <a:endParaRPr lang="en-US" dirty="0"/>
@@ -22295,35 +22202,35 @@
           <a:p>
             <a:pPr lvl="0"/>
             <a:r>
-              <a:rPr lang="en-US" smtClean="0"/>
+              <a:rPr lang="en-US"/>
               <a:t>Click to edit Master text styles</a:t>
             </a:r>
           </a:p>
           <a:p>
             <a:pPr lvl="1"/>
             <a:r>
-              <a:rPr lang="en-US" smtClean="0"/>
+              <a:rPr lang="en-US"/>
               <a:t>Second level</a:t>
             </a:r>
           </a:p>
           <a:p>
             <a:pPr lvl="2"/>
             <a:r>
-              <a:rPr lang="en-US" smtClean="0"/>
+              <a:rPr lang="en-US"/>
               <a:t>Third level</a:t>
             </a:r>
           </a:p>
           <a:p>
             <a:pPr lvl="3"/>
             <a:r>
-              <a:rPr lang="en-US" smtClean="0"/>
+              <a:rPr lang="en-US"/>
               <a:t>Fourth level</a:t>
             </a:r>
           </a:p>
           <a:p>
             <a:pPr lvl="4"/>
             <a:r>
-              <a:rPr lang="en-US" smtClean="0"/>
+              <a:rPr lang="en-US"/>
               <a:t>Fifth level</a:t>
             </a:r>
             <a:endParaRPr lang="en-US" dirty="0"/>
@@ -22858,7 +22765,7 @@
           <a:lstStyle/>
           <a:p>
             <a:r>
-              <a:rPr lang="en-US" smtClean="0"/>
+              <a:rPr lang="en-US"/>
               <a:t>Click to edit Master title style</a:t>
             </a:r>
             <a:endParaRPr lang="en-US" dirty="0"/>
@@ -22892,35 +22799,35 @@
           <a:p>
             <a:pPr lvl="0"/>
             <a:r>
-              <a:rPr lang="en-US" smtClean="0"/>
+              <a:rPr lang="en-US"/>
               <a:t>Edit Master text styles</a:t>
             </a:r>
           </a:p>
           <a:p>
             <a:pPr lvl="1"/>
             <a:r>
-              <a:rPr lang="en-US" smtClean="0"/>
+              <a:rPr lang="en-US"/>
               <a:t>Second level</a:t>
             </a:r>
           </a:p>
           <a:p>
             <a:pPr lvl="2"/>
             <a:r>
-              <a:rPr lang="en-US" smtClean="0"/>
+              <a:rPr lang="en-US"/>
               <a:t>Third level</a:t>
             </a:r>
           </a:p>
           <a:p>
             <a:pPr lvl="3"/>
             <a:r>
-              <a:rPr lang="en-US" smtClean="0"/>
+              <a:rPr lang="en-US"/>
               <a:t>Fourth level</a:t>
             </a:r>
           </a:p>
           <a:p>
             <a:pPr lvl="4"/>
             <a:r>
-              <a:rPr lang="en-US" smtClean="0"/>
+              <a:rPr lang="en-US"/>
               <a:t>Fifth level</a:t>
             </a:r>
             <a:endParaRPr lang="en-US" dirty="0"/>
@@ -23612,7 +23519,7 @@
           <a:lstStyle/>
           <a:p>
             <a:r>
-              <a:rPr lang="en-US" smtClean="0"/>
+              <a:rPr lang="en-US"/>
               <a:t>Click to edit Master title style</a:t>
             </a:r>
             <a:endParaRPr lang="en-US" dirty="0"/>
@@ -24192,16 +24099,12 @@
           </a:bodyPr>
           <a:lstStyle/>
           <a:p>
-            <a:endParaRPr lang="en-IN" dirty="0" smtClean="0"/>
-          </a:p>
-          <a:p>
-            <a:r>
-              <a:rPr lang="en-IN" sz="2000" dirty="0" smtClean="0"/>
-              <a:t>GROUP </a:t>
-            </a:r>
+            <a:endParaRPr lang="en-IN" dirty="0"/>
+          </a:p>
+          <a:p>
             <a:r>
               <a:rPr lang="en-IN" sz="2000" dirty="0"/>
-              <a:t>MEMBERS :</a:t>
+              <a:t>GROUP MEMBERS :</a:t>
             </a:r>
           </a:p>
           <a:p>
@@ -24210,15 +24113,7 @@
           <a:p>
             <a:r>
               <a:rPr lang="en-IN" sz="2000" b="1" dirty="0"/>
-              <a:t>SHASHWAT </a:t>
-            </a:r>
-            <a:r>
-              <a:rPr lang="en-IN" sz="2000" b="1" dirty="0" smtClean="0"/>
-              <a:t>SINGH (2017KUCP1054</a:t>
-            </a:r>
-            <a:r>
-              <a:rPr lang="en-IN" sz="2000" b="1" dirty="0"/>
-              <a:t>)</a:t>
+              <a:t>SHASHWAT SINGH (2017KUCP1054)</a:t>
             </a:r>
           </a:p>
           <a:p>
@@ -24421,13 +24316,6 @@
       </p:transition>
     </mc:Fallback>
   </mc:AlternateContent>
-  <p:timing>
-    <p:tnLst>
-      <p:par>
-        <p:cTn id="1" dur="indefinite" restart="never" nodeType="tmRoot"/>
-      </p:par>
-    </p:tnLst>
-  </p:timing>
 </p:sld>
 </file>
 
@@ -24464,10 +24352,91 @@
           <a:lstStyle/>
           <a:p>
             <a:r>
-              <a:rPr lang="en-IN" dirty="0" smtClean="0"/>
+              <a:rPr lang="en-IN" dirty="0"/>
+              <a:t>New User Register Page</a:t>
+            </a:r>
+          </a:p>
+        </p:txBody>
+      </p:sp>
+      <p:pic>
+        <p:nvPicPr>
+          <p:cNvPr id="4" name="Picture 3"/>
+          <p:cNvPicPr>
+            <a:picLocks noChangeAspect="1"/>
+          </p:cNvPicPr>
+          <p:nvPr/>
+        </p:nvPicPr>
+        <p:blipFill>
+          <a:blip r:embed="rId2">
+            <a:extLst>
+              <a:ext uri="{28A0092B-C50C-407E-A947-70E740481C1C}">
+                <a14:useLocalDpi xmlns:a14="http://schemas.microsoft.com/office/drawing/2010/main" val="0"/>
+              </a:ext>
+            </a:extLst>
+          </a:blip>
+          <a:stretch>
+            <a:fillRect/>
+          </a:stretch>
+        </p:blipFill>
+        <p:spPr>
+          <a:xfrm>
+            <a:off x="0" y="2420888"/>
+            <a:ext cx="9144000" cy="2858337"/>
+          </a:xfrm>
+          <a:prstGeom prst="rect">
+            <a:avLst/>
+          </a:prstGeom>
+        </p:spPr>
+      </p:pic>
+    </p:spTree>
+    <p:extLst>
+      <p:ext uri="{BB962C8B-B14F-4D97-AF65-F5344CB8AC3E}">
+        <p14:creationId xmlns:p14="http://schemas.microsoft.com/office/powerpoint/2010/main" val="1624472544"/>
+      </p:ext>
+    </p:extLst>
+  </p:cSld>
+  <p:clrMapOvr>
+    <a:masterClrMapping/>
+  </p:clrMapOvr>
+</p:sld>
+</file>
+
+<file path=ppt/slides/slide11.xml><?xml version="1.0" encoding="utf-8"?>
+<p:sld xmlns:a="http://schemas.openxmlformats.org/drawingml/2006/main" xmlns:r="http://schemas.openxmlformats.org/officeDocument/2006/relationships" xmlns:p="http://schemas.openxmlformats.org/presentationml/2006/main">
+  <p:cSld>
+    <p:spTree>
+      <p:nvGrpSpPr>
+        <p:cNvPr id="1" name=""/>
+        <p:cNvGrpSpPr/>
+        <p:nvPr/>
+      </p:nvGrpSpPr>
+      <p:grpSpPr>
+        <a:xfrm>
+          <a:off x="0" y="0"/>
+          <a:ext cx="0" cy="0"/>
+          <a:chOff x="0" y="0"/>
+          <a:chExt cx="0" cy="0"/>
+        </a:xfrm>
+      </p:grpSpPr>
+      <p:sp>
+        <p:nvSpPr>
+          <p:cNvPr id="3" name="Title 2"/>
+          <p:cNvSpPr>
+            <a:spLocks noGrp="1"/>
+          </p:cNvSpPr>
+          <p:nvPr>
+            <p:ph type="title"/>
+          </p:nvPr>
+        </p:nvSpPr>
+        <p:spPr/>
+        <p:txBody>
+          <a:bodyPr/>
+          <a:lstStyle/>
+          <a:p>
+            <a:r>
+              <a:rPr lang="en-IN" dirty="0"/>
               <a:t>Password Reset</a:t>
             </a:r>
-            <a:endParaRPr lang="en-IN" dirty="0"/>
           </a:p>
         </p:txBody>
       </p:sp>
@@ -24511,17 +24480,10 @@
   <p:clrMapOvr>
     <a:masterClrMapping/>
   </p:clrMapOvr>
-  <p:timing>
-    <p:tnLst>
-      <p:par>
-        <p:cTn id="1" dur="indefinite" restart="never" nodeType="tmRoot"/>
-      </p:par>
-    </p:tnLst>
-  </p:timing>
 </p:sld>
 </file>
 
-<file path=ppt/slides/slide11.xml><?xml version="1.0" encoding="utf-8"?>
+<file path=ppt/slides/slide12.xml><?xml version="1.0" encoding="utf-8"?>
 <p:sld xmlns:a="http://schemas.openxmlformats.org/drawingml/2006/main" xmlns:r="http://schemas.openxmlformats.org/officeDocument/2006/relationships" xmlns:p="http://schemas.openxmlformats.org/presentationml/2006/main">
   <p:cSld>
     <p:spTree>
@@ -24554,10 +24516,9 @@
           <a:lstStyle/>
           <a:p>
             <a:r>
-              <a:rPr lang="en-IN" dirty="0" smtClean="0"/>
+              <a:rPr lang="en-IN" dirty="0"/>
               <a:t>User Analysis</a:t>
             </a:r>
-            <a:endParaRPr lang="en-IN" dirty="0"/>
           </a:p>
         </p:txBody>
       </p:sp>
@@ -24601,17 +24562,10 @@
   <p:clrMapOvr>
     <a:masterClrMapping/>
   </p:clrMapOvr>
-  <p:timing>
-    <p:tnLst>
-      <p:par>
-        <p:cTn id="1" dur="indefinite" restart="never" nodeType="tmRoot"/>
-      </p:par>
-    </p:tnLst>
-  </p:timing>
 </p:sld>
 </file>
 
-<file path=ppt/slides/slide12.xml><?xml version="1.0" encoding="utf-8"?>
+<file path=ppt/slides/slide13.xml><?xml version="1.0" encoding="utf-8"?>
 <p:sld xmlns:a="http://schemas.openxmlformats.org/drawingml/2006/main" xmlns:r="http://schemas.openxmlformats.org/officeDocument/2006/relationships" xmlns:p="http://schemas.openxmlformats.org/presentationml/2006/main">
   <p:cSld>
     <p:spTree>
@@ -24644,10 +24598,9 @@
           <a:lstStyle/>
           <a:p>
             <a:r>
-              <a:rPr lang="en-IN" dirty="0" smtClean="0"/>
+              <a:rPr lang="en-IN" dirty="0"/>
               <a:t>Search History Page</a:t>
             </a:r>
-            <a:endParaRPr lang="en-IN" dirty="0"/>
           </a:p>
         </p:txBody>
       </p:sp>
@@ -24691,17 +24644,10 @@
   <p:clrMapOvr>
     <a:masterClrMapping/>
   </p:clrMapOvr>
-  <p:timing>
-    <p:tnLst>
-      <p:par>
-        <p:cTn id="1" dur="indefinite" restart="never" nodeType="tmRoot"/>
-      </p:par>
-    </p:tnLst>
-  </p:timing>
 </p:sld>
 </file>
 
-<file path=ppt/slides/slide13.xml><?xml version="1.0" encoding="utf-8"?>
+<file path=ppt/slides/slide14.xml><?xml version="1.0" encoding="utf-8"?>
 <p:sld xmlns:a="http://schemas.openxmlformats.org/drawingml/2006/main" xmlns:r="http://schemas.openxmlformats.org/officeDocument/2006/relationships" xmlns:p="http://schemas.openxmlformats.org/presentationml/2006/main">
   <p:cSld>
     <p:spTree>
@@ -24788,17 +24734,10 @@
   <p:clrMapOvr>
     <a:masterClrMapping/>
   </p:clrMapOvr>
-  <p:timing>
-    <p:tnLst>
-      <p:par>
-        <p:cTn id="1" dur="indefinite" restart="never" nodeType="tmRoot"/>
-      </p:par>
-    </p:tnLst>
-  </p:timing>
 </p:sld>
 </file>
 
-<file path=ppt/slides/slide14.xml><?xml version="1.0" encoding="utf-8"?>
+<file path=ppt/slides/slide15.xml><?xml version="1.0" encoding="utf-8"?>
 <p:sld xmlns:a="http://schemas.openxmlformats.org/drawingml/2006/main" xmlns:r="http://schemas.openxmlformats.org/officeDocument/2006/relationships" xmlns:p="http://schemas.openxmlformats.org/presentationml/2006/main">
   <p:cSld>
     <p:spTree>
@@ -24855,17 +24794,10 @@
   <p:clrMapOvr>
     <a:masterClrMapping/>
   </p:clrMapOvr>
-  <p:timing>
-    <p:tnLst>
-      <p:par>
-        <p:cTn id="1" dur="indefinite" restart="never" nodeType="tmRoot"/>
-      </p:par>
-    </p:tnLst>
-  </p:timing>
 </p:sld>
 </file>
 
-<file path=ppt/slides/slide15.xml><?xml version="1.0" encoding="utf-8"?>
+<file path=ppt/slides/slide16.xml><?xml version="1.0" encoding="utf-8"?>
 <p:sld xmlns:a="http://schemas.openxmlformats.org/drawingml/2006/main" xmlns:r="http://schemas.openxmlformats.org/officeDocument/2006/relationships" xmlns:p="http://schemas.openxmlformats.org/presentationml/2006/main">
   <p:cSld>
     <p:spTree>
@@ -24922,17 +24854,10 @@
   <p:clrMapOvr>
     <a:masterClrMapping/>
   </p:clrMapOvr>
-  <p:timing>
-    <p:tnLst>
-      <p:par>
-        <p:cTn id="1" dur="indefinite" restart="never" nodeType="tmRoot"/>
-      </p:par>
-    </p:tnLst>
-  </p:timing>
 </p:sld>
 </file>
 
-<file path=ppt/slides/slide16.xml><?xml version="1.0" encoding="utf-8"?>
+<file path=ppt/slides/slide17.xml><?xml version="1.0" encoding="utf-8"?>
 <p:sld xmlns:a="http://schemas.openxmlformats.org/drawingml/2006/main" xmlns:r="http://schemas.openxmlformats.org/officeDocument/2006/relationships" xmlns:p="http://schemas.openxmlformats.org/presentationml/2006/main">
   <p:cSld>
     <p:spTree>
@@ -24972,10 +24897,9 @@
           <a:lstStyle/>
           <a:p>
             <a:r>
-              <a:rPr lang="en-IN" sz="6000" dirty="0" smtClean="0"/>
+              <a:rPr lang="en-IN" sz="6000" dirty="0"/>
               <a:t>Thank You!!</a:t>
             </a:r>
-            <a:endParaRPr lang="en-IN" sz="6000" dirty="0"/>
           </a:p>
         </p:txBody>
       </p:sp>
@@ -24989,13 +24913,6 @@
   <p:clrMapOvr>
     <a:masterClrMapping/>
   </p:clrMapOvr>
-  <p:timing>
-    <p:tnLst>
-      <p:par>
-        <p:cTn id="1" dur="indefinite" restart="never" nodeType="tmRoot"/>
-      </p:par>
-    </p:tnLst>
-  </p:timing>
 </p:sld>
 </file>
 
@@ -25039,7 +24956,7 @@
             <a:pPr marL="0" indent="0">
               <a:buNone/>
             </a:pPr>
-            <a:endParaRPr lang="en-IN" dirty="0" smtClean="0"/>
+            <a:endParaRPr lang="en-IN" dirty="0"/>
           </a:p>
           <a:p>
             <a:pPr marL="0" indent="0">
@@ -25071,7 +24988,7 @@
           <a:lstStyle/>
           <a:p>
             <a:r>
-              <a:rPr lang="en-IN" b="1" u="sng" dirty="0" smtClean="0"/>
+              <a:rPr lang="en-IN" b="1" u="sng" dirty="0"/>
               <a:t>Objective/AIM</a:t>
             </a:r>
             <a:endParaRPr lang="en-IN" dirty="0"/>
@@ -25088,13 +25005,6 @@
   <p:clrMapOvr>
     <a:masterClrMapping/>
   </p:clrMapOvr>
-  <p:timing>
-    <p:tnLst>
-      <p:par>
-        <p:cTn id="1" dur="indefinite" restart="never" nodeType="tmRoot"/>
-      </p:par>
-    </p:tnLst>
-  </p:timing>
 </p:sld>
 </file>
 
@@ -25160,7 +25070,7 @@
           <a:lstStyle/>
           <a:p>
             <a:r>
-              <a:rPr lang="en-IN" b="1" u="sng" dirty="0" smtClean="0"/>
+              <a:rPr lang="en-IN" b="1" u="sng" dirty="0"/>
               <a:t>Applications</a:t>
             </a:r>
             <a:endParaRPr lang="en-IN" dirty="0"/>
@@ -25177,13 +25087,6 @@
   <p:clrMapOvr>
     <a:masterClrMapping/>
   </p:clrMapOvr>
-  <p:timing>
-    <p:tnLst>
-      <p:par>
-        <p:cTn id="1" dur="indefinite" restart="never" nodeType="tmRoot"/>
-      </p:par>
-    </p:tnLst>
-  </p:timing>
 </p:sld>
 </file>
 
@@ -25231,19 +25134,11 @@
             </a:pPr>
             <a:r>
               <a:rPr lang="en-IN" b="1" dirty="0"/>
-              <a:t> </a:t>
-            </a:r>
-            <a:r>
-              <a:rPr lang="en-IN" b="1" dirty="0" smtClean="0"/>
-              <a:t>     </a:t>
-            </a:r>
-            <a:r>
-              <a:rPr lang="en-IN" b="1" u="sng" dirty="0" smtClean="0"/>
-              <a:t>Frontend</a:t>
+              <a:t>      </a:t>
             </a:r>
             <a:r>
               <a:rPr lang="en-IN" b="1" u="sng" dirty="0"/>
-              <a:t>:</a:t>
+              <a:t>Frontend:</a:t>
             </a:r>
             <a:endParaRPr lang="en-IN" u="sng" dirty="0"/>
           </a:p>
@@ -25281,44 +25176,35 @@
             </a:pPr>
             <a:r>
               <a:rPr lang="en-IN" b="1" dirty="0"/>
-              <a:t> </a:t>
-            </a:r>
-            <a:r>
-              <a:rPr lang="en-IN" b="1" dirty="0" smtClean="0"/>
-              <a:t>     </a:t>
-            </a:r>
-            <a:r>
-              <a:rPr lang="en-IN" b="1" u="sng" dirty="0" smtClean="0"/>
-              <a:t>Backend</a:t>
+              <a:t>      </a:t>
             </a:r>
             <a:r>
               <a:rPr lang="en-IN" b="1" u="sng" dirty="0"/>
-              <a:t>:</a:t>
+              <a:t>Backend:</a:t>
             </a:r>
             <a:endParaRPr lang="en-IN" u="sng" dirty="0"/>
           </a:p>
           <a:p>
             <a:pPr lvl="0"/>
             <a:r>
-              <a:rPr lang="en-IN" dirty="0" smtClean="0"/>
+              <a:rPr lang="en-IN" dirty="0"/>
               <a:t>Python3 </a:t>
             </a:r>
-            <a:endParaRPr lang="en-IN" dirty="0"/>
           </a:p>
           <a:p>
             <a:pPr marL="0" indent="0">
               <a:buNone/>
             </a:pPr>
             <a:r>
-              <a:rPr lang="en-IN" b="1" dirty="0" smtClean="0"/>
+              <a:rPr lang="en-IN" b="1" dirty="0"/>
               <a:t>      </a:t>
             </a:r>
             <a:r>
-              <a:rPr lang="en-IN" b="1" u="sng" dirty="0" smtClean="0"/>
+              <a:rPr lang="en-IN" b="1" u="sng" dirty="0"/>
               <a:t>Databas</a:t>
             </a:r>
             <a:r>
-              <a:rPr lang="en-IN" b="1" dirty="0" smtClean="0"/>
+              <a:rPr lang="en-IN" b="1" dirty="0"/>
               <a:t>e</a:t>
             </a:r>
             <a:r>
@@ -25339,16 +25225,12 @@
               <a:buNone/>
             </a:pPr>
             <a:r>
-              <a:rPr lang="en-IN" b="1" dirty="0" smtClean="0"/>
+              <a:rPr lang="en-IN" b="1" dirty="0"/>
               <a:t>      </a:t>
             </a:r>
             <a:r>
-              <a:rPr lang="en-IN" b="1" u="sng" dirty="0" smtClean="0"/>
-              <a:t>Session </a:t>
-            </a:r>
-            <a:r>
               <a:rPr lang="en-IN" b="1" u="sng" dirty="0"/>
-              <a:t>Management:</a:t>
+              <a:t>Session Management:</a:t>
             </a:r>
             <a:endParaRPr lang="en-IN" dirty="0"/>
           </a:p>
@@ -25377,10 +25259,9 @@
           <a:lstStyle/>
           <a:p>
             <a:r>
-              <a:rPr lang="en-IN" dirty="0" smtClean="0"/>
+              <a:rPr lang="en-IN" dirty="0"/>
               <a:t>Technologies Used</a:t>
             </a:r>
-            <a:endParaRPr lang="en-IN" dirty="0"/>
           </a:p>
         </p:txBody>
       </p:sp>
@@ -25394,13 +25275,6 @@
   <p:clrMapOvr>
     <a:masterClrMapping/>
   </p:clrMapOvr>
-  <p:timing>
-    <p:tnLst>
-      <p:par>
-        <p:cTn id="1" dur="indefinite" restart="never" nodeType="tmRoot"/>
-      </p:par>
-    </p:tnLst>
-  </p:timing>
 </p:sld>
 </file>
 
@@ -25451,17 +25325,13 @@
           <a:p>
             <a:r>
               <a:rPr lang="en-IN" dirty="0" err="1"/>
-              <a:t>N</a:t>
-            </a:r>
-            <a:r>
-              <a:rPr lang="en-IN" dirty="0" err="1" smtClean="0"/>
-              <a:t>ltk</a:t>
+              <a:t>Nltk</a:t>
             </a:r>
             <a:endParaRPr lang="en-IN" dirty="0"/>
           </a:p>
           <a:p>
             <a:r>
-              <a:rPr lang="en-IN" dirty="0" err="1" smtClean="0"/>
+              <a:rPr lang="en-IN" dirty="0" err="1"/>
               <a:t>Plotly</a:t>
             </a:r>
             <a:endParaRPr lang="en-IN" dirty="0"/>
@@ -25469,68 +25339,43 @@
           <a:p>
             <a:r>
               <a:rPr lang="en-IN" dirty="0" err="1"/>
-              <a:t>T</a:t>
-            </a:r>
-            <a:r>
-              <a:rPr lang="en-IN" dirty="0" err="1" smtClean="0"/>
-              <a:t>ermcolor</a:t>
+              <a:t>Termcolor</a:t>
             </a:r>
             <a:endParaRPr lang="en-IN" dirty="0"/>
           </a:p>
           <a:p>
             <a:r>
               <a:rPr lang="en-IN" dirty="0" err="1"/>
-              <a:t>T</a:t>
-            </a:r>
-            <a:r>
-              <a:rPr lang="en-IN" dirty="0" err="1" smtClean="0"/>
-              <a:t>wython</a:t>
+              <a:t>Twython</a:t>
             </a:r>
             <a:endParaRPr lang="en-IN" dirty="0"/>
           </a:p>
           <a:p>
             <a:r>
               <a:rPr lang="en-IN" dirty="0" err="1"/>
-              <a:t>C</a:t>
-            </a:r>
-            <a:r>
-              <a:rPr lang="en-IN" dirty="0" err="1" smtClean="0"/>
-              <a:t>olorama</a:t>
+              <a:t>Colorama</a:t>
             </a:r>
             <a:endParaRPr lang="en-IN" dirty="0"/>
           </a:p>
           <a:p>
             <a:r>
               <a:rPr lang="en-IN" dirty="0" err="1"/>
-              <a:t>F</a:t>
-            </a:r>
-            <a:r>
-              <a:rPr lang="en-IN" dirty="0" err="1" smtClean="0"/>
-              <a:t>lask_session</a:t>
+              <a:t>Flask_session</a:t>
             </a:r>
             <a:endParaRPr lang="en-IN" dirty="0"/>
           </a:p>
           <a:p>
             <a:r>
               <a:rPr lang="en-IN" dirty="0" err="1"/>
-              <a:t>P</a:t>
-            </a:r>
-            <a:r>
-              <a:rPr lang="en-IN" dirty="0" err="1" smtClean="0"/>
-              <a:t>asslib</a:t>
+              <a:t>Passlib</a:t>
             </a:r>
             <a:endParaRPr lang="en-IN" dirty="0"/>
           </a:p>
           <a:p>
             <a:r>
               <a:rPr lang="en-IN" dirty="0"/>
-              <a:t>C</a:t>
+              <a:t>Cs50</a:t>
             </a:r>
-            <a:r>
-              <a:rPr lang="en-IN" dirty="0" smtClean="0"/>
-              <a:t>s50</a:t>
-            </a:r>
-            <a:endParaRPr lang="en-IN" dirty="0"/>
           </a:p>
         </p:txBody>
       </p:sp>
@@ -25550,10 +25395,9 @@
           <a:lstStyle/>
           <a:p>
             <a:r>
-              <a:rPr lang="en-IN" dirty="0" smtClean="0"/>
+              <a:rPr lang="en-IN" dirty="0"/>
               <a:t>Libraries Used</a:t>
             </a:r>
-            <a:endParaRPr lang="en-IN" dirty="0"/>
           </a:p>
         </p:txBody>
       </p:sp>
@@ -25567,17 +25411,133 @@
   <p:clrMapOvr>
     <a:masterClrMapping/>
   </p:clrMapOvr>
-  <p:timing>
-    <p:tnLst>
-      <p:par>
-        <p:cTn id="1" dur="indefinite" restart="never" nodeType="tmRoot"/>
-      </p:par>
-    </p:tnLst>
-  </p:timing>
 </p:sld>
 </file>
 
 <file path=ppt/slides/slide6.xml><?xml version="1.0" encoding="utf-8"?>
+<p:sld xmlns:a="http://schemas.openxmlformats.org/drawingml/2006/main" xmlns:r="http://schemas.openxmlformats.org/officeDocument/2006/relationships" xmlns:p="http://schemas.openxmlformats.org/presentationml/2006/main">
+  <p:cSld>
+    <p:spTree>
+      <p:nvGrpSpPr>
+        <p:cNvPr id="1" name=""/>
+        <p:cNvGrpSpPr/>
+        <p:nvPr/>
+      </p:nvGrpSpPr>
+      <p:grpSpPr>
+        <a:xfrm>
+          <a:off x="0" y="0"/>
+          <a:ext cx="0" cy="0"/>
+          <a:chOff x="0" y="0"/>
+          <a:chExt cx="0" cy="0"/>
+        </a:xfrm>
+      </p:grpSpPr>
+      <p:sp>
+        <p:nvSpPr>
+          <p:cNvPr id="2" name="Content Placeholder 1">
+            <a:extLst>
+              <a:ext uri="{FF2B5EF4-FFF2-40B4-BE49-F238E27FC236}">
+                <a16:creationId xmlns:a16="http://schemas.microsoft.com/office/drawing/2014/main" id="{B2A058E1-3308-4002-8454-27480C1BFEF6}"/>
+              </a:ext>
+            </a:extLst>
+          </p:cNvPr>
+          <p:cNvSpPr>
+            <a:spLocks noGrp="1"/>
+          </p:cNvSpPr>
+          <p:nvPr>
+            <p:ph idx="1"/>
+          </p:nvPr>
+        </p:nvSpPr>
+        <p:spPr>
+          <a:xfrm>
+            <a:off x="699248" y="2060848"/>
+            <a:ext cx="7745505" cy="4371012"/>
+          </a:xfrm>
+        </p:spPr>
+        <p:txBody>
+          <a:bodyPr>
+            <a:normAutofit/>
+          </a:bodyPr>
+          <a:lstStyle/>
+          <a:p>
+            <a:r>
+              <a:rPr lang="en-IN" dirty="0"/>
+              <a:t>Histories</a:t>
+            </a:r>
+          </a:p>
+          <a:p>
+            <a:pPr marL="0" indent="0">
+              <a:buNone/>
+            </a:pPr>
+            <a:r>
+              <a:rPr lang="en-IN" dirty="0"/>
+              <a:t>	histories(id integer, screenname text, positive float, negative float, neutral float, transacted datetime default CURRENT_TIMESTAMP, flag text)</a:t>
+            </a:r>
+          </a:p>
+          <a:p>
+            <a:pPr marL="0" indent="0">
+              <a:buNone/>
+            </a:pPr>
+            <a:endParaRPr lang="en-IN" dirty="0"/>
+          </a:p>
+          <a:p>
+            <a:r>
+              <a:rPr lang="en-IN" dirty="0"/>
+              <a:t>Users</a:t>
+            </a:r>
+          </a:p>
+          <a:p>
+            <a:pPr marL="0" indent="0">
+              <a:buNone/>
+            </a:pPr>
+            <a:r>
+              <a:rPr lang="en-IN" dirty="0"/>
+              <a:t>	users(id integer primary key AUTOINCREMENT not null, username text not null, hash text not null)</a:t>
+            </a:r>
+          </a:p>
+        </p:txBody>
+      </p:sp>
+      <p:sp>
+        <p:nvSpPr>
+          <p:cNvPr id="3" name="Title 2">
+            <a:extLst>
+              <a:ext uri="{FF2B5EF4-FFF2-40B4-BE49-F238E27FC236}">
+                <a16:creationId xmlns:a16="http://schemas.microsoft.com/office/drawing/2014/main" id="{E6FB26DE-5F75-4A76-A684-63ED0819676E}"/>
+              </a:ext>
+            </a:extLst>
+          </p:cNvPr>
+          <p:cNvSpPr>
+            <a:spLocks noGrp="1"/>
+          </p:cNvSpPr>
+          <p:nvPr>
+            <p:ph type="title"/>
+          </p:nvPr>
+        </p:nvSpPr>
+        <p:spPr/>
+        <p:txBody>
+          <a:bodyPr/>
+          <a:lstStyle/>
+          <a:p>
+            <a:r>
+              <a:rPr lang="en-IN" dirty="0"/>
+              <a:t>TABLES  SCHEMA</a:t>
+            </a:r>
+          </a:p>
+        </p:txBody>
+      </p:sp>
+    </p:spTree>
+    <p:extLst>
+      <p:ext uri="{BB962C8B-B14F-4D97-AF65-F5344CB8AC3E}">
+        <p14:creationId xmlns:p14="http://schemas.microsoft.com/office/powerpoint/2010/main" val="565601800"/>
+      </p:ext>
+    </p:extLst>
+  </p:cSld>
+  <p:clrMapOvr>
+    <a:masterClrMapping/>
+  </p:clrMapOvr>
+</p:sld>
+</file>
+
+<file path=ppt/slides/slide7.xml><?xml version="1.0" encoding="utf-8"?>
 <p:sld xmlns:a="http://schemas.openxmlformats.org/drawingml/2006/main" xmlns:r="http://schemas.openxmlformats.org/officeDocument/2006/relationships" xmlns:p="http://schemas.openxmlformats.org/presentationml/2006/main">
   <p:cSld>
     <p:spTree>
@@ -25611,11 +25571,7 @@
           <a:p>
             <a:r>
               <a:rPr lang="en-IN" dirty="0"/>
-              <a:t>search</a:t>
-            </a:r>
-            <a:r>
-              <a:rPr lang="en-IN" dirty="0" smtClean="0"/>
-              <a:t>()</a:t>
+              <a:t>search()</a:t>
             </a:r>
           </a:p>
           <a:p>
@@ -25632,12 +25588,8 @@
           </a:p>
           <a:p>
             <a:r>
-              <a:rPr lang="en-IN" dirty="0" smtClean="0"/>
-              <a:t>register</a:t>
-            </a:r>
-            <a:r>
               <a:rPr lang="en-IN" dirty="0"/>
-              <a:t>()</a:t>
+              <a:t>register()</a:t>
             </a:r>
           </a:p>
           <a:p>
@@ -25658,14 +25610,9 @@
           </a:p>
           <a:p>
             <a:r>
-              <a:rPr lang="en-IN" dirty="0" smtClean="0"/>
-              <a:t>index</a:t>
+              <a:rPr lang="en-IN" dirty="0"/>
+              <a:t>index()</a:t>
             </a:r>
-            <a:r>
-              <a:rPr lang="en-IN" dirty="0" smtClean="0"/>
-              <a:t>()</a:t>
-            </a:r>
-            <a:endParaRPr lang="en-IN" dirty="0"/>
           </a:p>
           <a:p>
             <a:r>
@@ -25678,7 +25625,7 @@
             </a:r>
           </a:p>
           <a:p>
-            <a:endParaRPr lang="en-IN" dirty="0" smtClean="0"/>
+            <a:endParaRPr lang="en-IN" dirty="0"/>
           </a:p>
         </p:txBody>
       </p:sp>
@@ -25698,10 +25645,9 @@
           <a:lstStyle/>
           <a:p>
             <a:r>
-              <a:rPr lang="en-IN" dirty="0" smtClean="0"/>
+              <a:rPr lang="en-IN" dirty="0"/>
               <a:t>Functions Used</a:t>
             </a:r>
-            <a:endParaRPr lang="en-IN" dirty="0"/>
           </a:p>
         </p:txBody>
       </p:sp>
@@ -25715,17 +25661,10 @@
   <p:clrMapOvr>
     <a:masterClrMapping/>
   </p:clrMapOvr>
-  <p:timing>
-    <p:tnLst>
-      <p:par>
-        <p:cTn id="1" dur="indefinite" restart="never" nodeType="tmRoot"/>
-      </p:par>
-    </p:tnLst>
-  </p:timing>
 </p:sld>
 </file>
 
-<file path=ppt/slides/slide7.xml><?xml version="1.0" encoding="utf-8"?>
+<file path=ppt/slides/slide8.xml><?xml version="1.0" encoding="utf-8"?>
 <p:sld xmlns:a="http://schemas.openxmlformats.org/drawingml/2006/main" xmlns:r="http://schemas.openxmlformats.org/officeDocument/2006/relationships" xmlns:p="http://schemas.openxmlformats.org/presentationml/2006/main">
   <p:cSld>
     <p:spTree>
@@ -25758,10 +25697,9 @@
           <a:lstStyle/>
           <a:p>
             <a:r>
-              <a:rPr lang="en-IN" dirty="0" smtClean="0"/>
+              <a:rPr lang="en-IN" dirty="0"/>
               <a:t>Our Main Page</a:t>
             </a:r>
-            <a:endParaRPr lang="en-IN" dirty="0"/>
           </a:p>
         </p:txBody>
       </p:sp>
@@ -25805,17 +25743,10 @@
   <p:clrMapOvr>
     <a:masterClrMapping/>
   </p:clrMapOvr>
-  <p:timing>
-    <p:tnLst>
-      <p:par>
-        <p:cTn id="1" dur="indefinite" restart="never" nodeType="tmRoot"/>
-      </p:par>
-    </p:tnLst>
-  </p:timing>
 </p:sld>
 </file>
 
-<file path=ppt/slides/slide8.xml><?xml version="1.0" encoding="utf-8"?>
+<file path=ppt/slides/slide9.xml><?xml version="1.0" encoding="utf-8"?>
 <p:sld xmlns:a="http://schemas.openxmlformats.org/drawingml/2006/main" xmlns:r="http://schemas.openxmlformats.org/officeDocument/2006/relationships" xmlns:p="http://schemas.openxmlformats.org/presentationml/2006/main">
   <p:cSld>
     <p:spTree>
@@ -25848,10 +25779,9 @@
           <a:lstStyle/>
           <a:p>
             <a:r>
-              <a:rPr lang="en-IN" dirty="0" smtClean="0"/>
+              <a:rPr lang="en-IN" dirty="0"/>
               <a:t>Our Login Page</a:t>
             </a:r>
-            <a:endParaRPr lang="en-IN" dirty="0"/>
           </a:p>
         </p:txBody>
       </p:sp>
@@ -25895,103 +25825,6 @@
   <p:clrMapOvr>
     <a:masterClrMapping/>
   </p:clrMapOvr>
-  <p:timing>
-    <p:tnLst>
-      <p:par>
-        <p:cTn id="1" dur="indefinite" restart="never" nodeType="tmRoot"/>
-      </p:par>
-    </p:tnLst>
-  </p:timing>
-</p:sld>
-</file>
-
-<file path=ppt/slides/slide9.xml><?xml version="1.0" encoding="utf-8"?>
-<p:sld xmlns:a="http://schemas.openxmlformats.org/drawingml/2006/main" xmlns:r="http://schemas.openxmlformats.org/officeDocument/2006/relationships" xmlns:p="http://schemas.openxmlformats.org/presentationml/2006/main">
-  <p:cSld>
-    <p:spTree>
-      <p:nvGrpSpPr>
-        <p:cNvPr id="1" name=""/>
-        <p:cNvGrpSpPr/>
-        <p:nvPr/>
-      </p:nvGrpSpPr>
-      <p:grpSpPr>
-        <a:xfrm>
-          <a:off x="0" y="0"/>
-          <a:ext cx="0" cy="0"/>
-          <a:chOff x="0" y="0"/>
-          <a:chExt cx="0" cy="0"/>
-        </a:xfrm>
-      </p:grpSpPr>
-      <p:sp>
-        <p:nvSpPr>
-          <p:cNvPr id="3" name="Title 2"/>
-          <p:cNvSpPr>
-            <a:spLocks noGrp="1"/>
-          </p:cNvSpPr>
-          <p:nvPr>
-            <p:ph type="title"/>
-          </p:nvPr>
-        </p:nvSpPr>
-        <p:spPr/>
-        <p:txBody>
-          <a:bodyPr/>
-          <a:lstStyle/>
-          <a:p>
-            <a:r>
-              <a:rPr lang="en-IN" dirty="0" smtClean="0"/>
-              <a:t>New User Register Page</a:t>
-            </a:r>
-            <a:endParaRPr lang="en-IN" dirty="0"/>
-          </a:p>
-        </p:txBody>
-      </p:sp>
-      <p:pic>
-        <p:nvPicPr>
-          <p:cNvPr id="4" name="Picture 3"/>
-          <p:cNvPicPr>
-            <a:picLocks noChangeAspect="1"/>
-          </p:cNvPicPr>
-          <p:nvPr/>
-        </p:nvPicPr>
-        <p:blipFill>
-          <a:blip r:embed="rId2">
-            <a:extLst>
-              <a:ext uri="{28A0092B-C50C-407E-A947-70E740481C1C}">
-                <a14:useLocalDpi xmlns:a14="http://schemas.microsoft.com/office/drawing/2010/main" val="0"/>
-              </a:ext>
-            </a:extLst>
-          </a:blip>
-          <a:stretch>
-            <a:fillRect/>
-          </a:stretch>
-        </p:blipFill>
-        <p:spPr>
-          <a:xfrm>
-            <a:off x="0" y="2420888"/>
-            <a:ext cx="9144000" cy="2858337"/>
-          </a:xfrm>
-          <a:prstGeom prst="rect">
-            <a:avLst/>
-          </a:prstGeom>
-        </p:spPr>
-      </p:pic>
-    </p:spTree>
-    <p:extLst>
-      <p:ext uri="{BB962C8B-B14F-4D97-AF65-F5344CB8AC3E}">
-        <p14:creationId xmlns:p14="http://schemas.microsoft.com/office/powerpoint/2010/main" val="1624472544"/>
-      </p:ext>
-    </p:extLst>
-  </p:cSld>
-  <p:clrMapOvr>
-    <a:masterClrMapping/>
-  </p:clrMapOvr>
-  <p:timing>
-    <p:tnLst>
-      <p:par>
-        <p:cTn id="1" dur="indefinite" restart="never" nodeType="tmRoot"/>
-      </p:par>
-    </p:tnLst>
-  </p:timing>
 </p:sld>
 </file>
 

--- a/Project/project ppt.pptx
+++ b/Project/project ppt.pptx
@@ -24086,7 +24086,7 @@
         <p:spPr>
           <a:xfrm>
             <a:off x="200464" y="4435301"/>
-            <a:ext cx="4371535" cy="1908215"/>
+            <a:ext cx="4371535" cy="2215991"/>
           </a:xfrm>
           <a:prstGeom prst="rect">
             <a:avLst/>
@@ -24125,7 +24125,7 @@
           <a:p>
             <a:r>
               <a:rPr lang="en-IN" sz="2000" b="1" dirty="0"/>
-              <a:t>AYUSH THAKUR (2017KUCP1053)</a:t>
+              <a:t>AYUSH KUMAR SINGH (2017KUCP1053)</a:t>
             </a:r>
           </a:p>
         </p:txBody>
